--- a/Assignment 2/Africa_Sample.pptx
+++ b/Assignment 2/Africa_Sample.pptx
@@ -192,7 +192,7 @@
           <a:p>
             <a:fld id="{AB303A28-300C-EB4A-ACA5-731ACF71E021}" type="datetimeFigureOut">
               <a:rPr lang="en-US" smtClean="0"/>
-              <a:t>15.10.15</a:t>
+              <a:t>18.10.15</a:t>
             </a:fld>
             <a:endParaRPr lang="en-US"/>
           </a:p>
@@ -728,7 +728,7 @@
           <a:p>
             <a:fld id="{BBD72255-ADEA-0A48-8502-CBC7B40FAFFB}" type="datetimeFigureOut">
               <a:rPr lang="en-US" smtClean="0"/>
-              <a:t>15.10.15</a:t>
+              <a:t>18.10.15</a:t>
             </a:fld>
             <a:endParaRPr lang="en-US"/>
           </a:p>
@@ -898,7 +898,7 @@
           <a:p>
             <a:fld id="{BBD72255-ADEA-0A48-8502-CBC7B40FAFFB}" type="datetimeFigureOut">
               <a:rPr lang="en-US" smtClean="0"/>
-              <a:t>15.10.15</a:t>
+              <a:t>18.10.15</a:t>
             </a:fld>
             <a:endParaRPr lang="en-US"/>
           </a:p>
@@ -1078,7 +1078,7 @@
           <a:p>
             <a:fld id="{BBD72255-ADEA-0A48-8502-CBC7B40FAFFB}" type="datetimeFigureOut">
               <a:rPr lang="en-US" smtClean="0"/>
-              <a:t>15.10.15</a:t>
+              <a:t>18.10.15</a:t>
             </a:fld>
             <a:endParaRPr lang="en-US"/>
           </a:p>
@@ -1523,7 +1523,7 @@
           <a:p>
             <a:fld id="{BBD72255-ADEA-0A48-8502-CBC7B40FAFFB}" type="datetimeFigureOut">
               <a:rPr lang="en-US" smtClean="0"/>
-              <a:t>15.10.15</a:t>
+              <a:t>18.10.15</a:t>
             </a:fld>
             <a:endParaRPr lang="en-US"/>
           </a:p>
@@ -1769,7 +1769,7 @@
           <a:p>
             <a:fld id="{BBD72255-ADEA-0A48-8502-CBC7B40FAFFB}" type="datetimeFigureOut">
               <a:rPr lang="en-US" smtClean="0"/>
-              <a:t>15.10.15</a:t>
+              <a:t>18.10.15</a:t>
             </a:fld>
             <a:endParaRPr lang="en-US"/>
           </a:p>
@@ -2057,7 +2057,7 @@
           <a:p>
             <a:fld id="{BBD72255-ADEA-0A48-8502-CBC7B40FAFFB}" type="datetimeFigureOut">
               <a:rPr lang="en-US" smtClean="0"/>
-              <a:t>15.10.15</a:t>
+              <a:t>18.10.15</a:t>
             </a:fld>
             <a:endParaRPr lang="en-US"/>
           </a:p>
@@ -2479,7 +2479,7 @@
           <a:p>
             <a:fld id="{BBD72255-ADEA-0A48-8502-CBC7B40FAFFB}" type="datetimeFigureOut">
               <a:rPr lang="en-US" smtClean="0"/>
-              <a:t>15.10.15</a:t>
+              <a:t>18.10.15</a:t>
             </a:fld>
             <a:endParaRPr lang="en-US"/>
           </a:p>
@@ -2597,7 +2597,7 @@
           <a:p>
             <a:fld id="{BBD72255-ADEA-0A48-8502-CBC7B40FAFFB}" type="datetimeFigureOut">
               <a:rPr lang="en-US" smtClean="0"/>
-              <a:t>15.10.15</a:t>
+              <a:t>18.10.15</a:t>
             </a:fld>
             <a:endParaRPr lang="en-US"/>
           </a:p>
@@ -2692,7 +2692,7 @@
           <a:p>
             <a:fld id="{BBD72255-ADEA-0A48-8502-CBC7B40FAFFB}" type="datetimeFigureOut">
               <a:rPr lang="en-US" smtClean="0"/>
-              <a:t>15.10.15</a:t>
+              <a:t>18.10.15</a:t>
             </a:fld>
             <a:endParaRPr lang="en-US"/>
           </a:p>
@@ -2969,7 +2969,7 @@
           <a:p>
             <a:fld id="{BBD72255-ADEA-0A48-8502-CBC7B40FAFFB}" type="datetimeFigureOut">
               <a:rPr lang="en-US" smtClean="0"/>
-              <a:t>15.10.15</a:t>
+              <a:t>18.10.15</a:t>
             </a:fld>
             <a:endParaRPr lang="en-US"/>
           </a:p>
@@ -3222,7 +3222,7 @@
           <a:p>
             <a:fld id="{BBD72255-ADEA-0A48-8502-CBC7B40FAFFB}" type="datetimeFigureOut">
               <a:rPr lang="en-US" smtClean="0"/>
-              <a:t>15.10.15</a:t>
+              <a:t>18.10.15</a:t>
             </a:fld>
             <a:endParaRPr lang="en-US"/>
           </a:p>
@@ -3435,7 +3435,7 @@
           <a:p>
             <a:fld id="{BBD72255-ADEA-0A48-8502-CBC7B40FAFFB}" type="datetimeFigureOut">
               <a:rPr lang="en-US" smtClean="0"/>
-              <a:t>15.10.15</a:t>
+              <a:t>18.10.15</a:t>
             </a:fld>
             <a:endParaRPr lang="en-US"/>
           </a:p>
@@ -4379,9 +4379,7 @@
                 </a:path>
               </a:pathLst>
             </a:custGeom>
-            <a:solidFill>
-              <a:schemeClr val="tx2"/>
-            </a:solidFill>
+            <a:grpFill/>
             <a:ln w="3175" cap="rnd" cmpd="sng">
               <a:solidFill>
                 <a:schemeClr val="bg1"/>
@@ -4928,7 +4926,9 @@
                 </a:path>
               </a:pathLst>
             </a:custGeom>
-            <a:grpFill/>
+            <a:solidFill>
+              <a:schemeClr val="tx2"/>
+            </a:solidFill>
             <a:ln w="3175" cap="rnd" cmpd="sng">
               <a:solidFill>
                 <a:schemeClr val="bg1"/>
@@ -6483,7 +6483,9 @@
                 </a:path>
               </a:pathLst>
             </a:custGeom>
-            <a:grpFill/>
+            <a:solidFill>
+              <a:schemeClr val="tx2"/>
+            </a:solidFill>
             <a:ln w="3175" cap="rnd" cmpd="sng">
               <a:solidFill>
                 <a:schemeClr val="bg1"/>
@@ -7271,9 +7273,7 @@
                 </a:path>
               </a:pathLst>
             </a:custGeom>
-            <a:solidFill>
-              <a:schemeClr val="tx2"/>
-            </a:solidFill>
+            <a:grpFill/>
             <a:ln w="3175" cap="rnd" cmpd="sng">
               <a:solidFill>
                 <a:schemeClr val="bg1"/>
@@ -8291,9 +8291,7 @@
                 </a:path>
               </a:pathLst>
             </a:custGeom>
-            <a:solidFill>
-              <a:schemeClr val="tx2"/>
-            </a:solidFill>
+            <a:grpFill/>
             <a:ln w="3175" cap="rnd" cmpd="sng">
               <a:solidFill>
                 <a:schemeClr val="bg1"/>
@@ -10196,7 +10194,9 @@
                 </a:path>
               </a:pathLst>
             </a:custGeom>
-            <a:grpFill/>
+            <a:solidFill>
+              <a:schemeClr val="tx2"/>
+            </a:solidFill>
             <a:ln w="3175" cap="rnd" cmpd="sng">
               <a:solidFill>
                 <a:schemeClr val="bg1"/>
@@ -10809,9 +10809,7 @@
                 </a:path>
               </a:pathLst>
             </a:custGeom>
-            <a:solidFill>
-              <a:schemeClr val="tx2"/>
-            </a:solidFill>
+            <a:grpFill/>
             <a:ln w="3175" cap="rnd" cmpd="sng">
               <a:solidFill>
                 <a:schemeClr val="bg1"/>
@@ -11126,7 +11124,9 @@
                 </a:path>
               </a:pathLst>
             </a:custGeom>
-            <a:grpFill/>
+            <a:solidFill>
+              <a:schemeClr val="tx2"/>
+            </a:solidFill>
             <a:ln w="3175" cap="rnd" cmpd="sng">
               <a:solidFill>
                 <a:schemeClr val="bg1"/>
@@ -11593,7 +11593,9 @@
                 </a:path>
               </a:pathLst>
             </a:custGeom>
-            <a:grpFill/>
+            <a:solidFill>
+              <a:schemeClr val="tx2"/>
+            </a:solidFill>
             <a:ln w="3175" cap="rnd" cmpd="sng">
               <a:solidFill>
                 <a:schemeClr val="bg1"/>
@@ -13171,9 +13173,7 @@
                 </a:path>
               </a:pathLst>
             </a:custGeom>
-            <a:solidFill>
-              <a:schemeClr val="tx2"/>
-            </a:solidFill>
+            <a:grpFill/>
             <a:ln w="3175" cap="rnd" cmpd="sng">
               <a:solidFill>
                 <a:schemeClr val="bg1"/>
@@ -13446,9 +13446,7 @@
                 </a:path>
               </a:pathLst>
             </a:custGeom>
-            <a:solidFill>
-              <a:schemeClr val="tx2"/>
-            </a:solidFill>
+            <a:grpFill/>
             <a:ln w="3175" cap="rnd" cmpd="sng">
               <a:solidFill>
                 <a:schemeClr val="bg1"/>
@@ -13539,9 +13537,7 @@
                 </a:path>
               </a:pathLst>
             </a:custGeom>
-            <a:solidFill>
-              <a:schemeClr val="tx2"/>
-            </a:solidFill>
+            <a:grpFill/>
             <a:ln w="3175" cap="rnd" cmpd="sng">
               <a:solidFill>
                 <a:schemeClr val="bg1"/>
@@ -14248,7 +14244,9 @@
                 </a:path>
               </a:pathLst>
             </a:custGeom>
-            <a:grpFill/>
+            <a:solidFill>
+              <a:schemeClr val="tx2"/>
+            </a:solidFill>
             <a:ln w="3175" cap="rnd" cmpd="sng">
               <a:solidFill>
                 <a:schemeClr val="bg1"/>
@@ -14411,7 +14409,9 @@
                 </a:path>
               </a:pathLst>
             </a:custGeom>
-            <a:grpFill/>
+            <a:solidFill>
+              <a:schemeClr val="tx2"/>
+            </a:solidFill>
             <a:ln w="3175" cap="rnd" cmpd="sng">
               <a:solidFill>
                 <a:schemeClr val="bg1"/>
@@ -15024,7 +15024,9 @@
                 </a:path>
               </a:pathLst>
             </a:custGeom>
-            <a:grpFill/>
+            <a:solidFill>
+              <a:schemeClr val="tx2"/>
+            </a:solidFill>
             <a:ln w="3175" cap="rnd" cmpd="sng">
               <a:solidFill>
                 <a:schemeClr val="bg1"/>
@@ -16068,7 +16070,9 @@
                 </a:path>
               </a:pathLst>
             </a:custGeom>
-            <a:grpFill/>
+            <a:solidFill>
+              <a:schemeClr val="tx2"/>
+            </a:solidFill>
             <a:ln w="3175" cap="rnd" cmpd="sng">
               <a:solidFill>
                 <a:schemeClr val="bg1"/>
@@ -16247,7 +16251,9 @@
                 </a:path>
               </a:pathLst>
             </a:custGeom>
-            <a:grpFill/>
+            <a:solidFill>
+              <a:schemeClr val="tx2"/>
+            </a:solidFill>
             <a:ln w="3175" cap="rnd" cmpd="sng">
               <a:solidFill>
                 <a:schemeClr val="bg1"/>
@@ -18894,9 +18900,6 @@
               </a:rPr>
               <a:t>Source: http://www.pwc.com/gx/en/office-locations/index.jhtml</a:t>
             </a:r>
-            <a:endParaRPr lang="en-GB" sz="700" dirty="0">
-              <a:latin typeface="+mj-lt"/>
-            </a:endParaRPr>
           </a:p>
         </p:txBody>
       </p:sp>

--- a/Assignment 2/Africa_Sample.pptx
+++ b/Assignment 2/Africa_Sample.pptx
@@ -192,7 +192,7 @@
           <a:p>
             <a:fld id="{AB303A28-300C-EB4A-ACA5-731ACF71E021}" type="datetimeFigureOut">
               <a:rPr lang="en-US" smtClean="0"/>
-              <a:t>18.10.15</a:t>
+              <a:t>23.10.15</a:t>
             </a:fld>
             <a:endParaRPr lang="en-US"/>
           </a:p>
@@ -728,7 +728,7 @@
           <a:p>
             <a:fld id="{BBD72255-ADEA-0A48-8502-CBC7B40FAFFB}" type="datetimeFigureOut">
               <a:rPr lang="en-US" smtClean="0"/>
-              <a:t>18.10.15</a:t>
+              <a:t>23.10.15</a:t>
             </a:fld>
             <a:endParaRPr lang="en-US"/>
           </a:p>
@@ -898,7 +898,7 @@
           <a:p>
             <a:fld id="{BBD72255-ADEA-0A48-8502-CBC7B40FAFFB}" type="datetimeFigureOut">
               <a:rPr lang="en-US" smtClean="0"/>
-              <a:t>18.10.15</a:t>
+              <a:t>23.10.15</a:t>
             </a:fld>
             <a:endParaRPr lang="en-US"/>
           </a:p>
@@ -1078,7 +1078,7 @@
           <a:p>
             <a:fld id="{BBD72255-ADEA-0A48-8502-CBC7B40FAFFB}" type="datetimeFigureOut">
               <a:rPr lang="en-US" smtClean="0"/>
-              <a:t>18.10.15</a:t>
+              <a:t>23.10.15</a:t>
             </a:fld>
             <a:endParaRPr lang="en-US"/>
           </a:p>
@@ -1523,7 +1523,7 @@
           <a:p>
             <a:fld id="{BBD72255-ADEA-0A48-8502-CBC7B40FAFFB}" type="datetimeFigureOut">
               <a:rPr lang="en-US" smtClean="0"/>
-              <a:t>18.10.15</a:t>
+              <a:t>23.10.15</a:t>
             </a:fld>
             <a:endParaRPr lang="en-US"/>
           </a:p>
@@ -1769,7 +1769,7 @@
           <a:p>
             <a:fld id="{BBD72255-ADEA-0A48-8502-CBC7B40FAFFB}" type="datetimeFigureOut">
               <a:rPr lang="en-US" smtClean="0"/>
-              <a:t>18.10.15</a:t>
+              <a:t>23.10.15</a:t>
             </a:fld>
             <a:endParaRPr lang="en-US"/>
           </a:p>
@@ -2057,7 +2057,7 @@
           <a:p>
             <a:fld id="{BBD72255-ADEA-0A48-8502-CBC7B40FAFFB}" type="datetimeFigureOut">
               <a:rPr lang="en-US" smtClean="0"/>
-              <a:t>18.10.15</a:t>
+              <a:t>23.10.15</a:t>
             </a:fld>
             <a:endParaRPr lang="en-US"/>
           </a:p>
@@ -2479,7 +2479,7 @@
           <a:p>
             <a:fld id="{BBD72255-ADEA-0A48-8502-CBC7B40FAFFB}" type="datetimeFigureOut">
               <a:rPr lang="en-US" smtClean="0"/>
-              <a:t>18.10.15</a:t>
+              <a:t>23.10.15</a:t>
             </a:fld>
             <a:endParaRPr lang="en-US"/>
           </a:p>
@@ -2597,7 +2597,7 @@
           <a:p>
             <a:fld id="{BBD72255-ADEA-0A48-8502-CBC7B40FAFFB}" type="datetimeFigureOut">
               <a:rPr lang="en-US" smtClean="0"/>
-              <a:t>18.10.15</a:t>
+              <a:t>23.10.15</a:t>
             </a:fld>
             <a:endParaRPr lang="en-US"/>
           </a:p>
@@ -2692,7 +2692,7 @@
           <a:p>
             <a:fld id="{BBD72255-ADEA-0A48-8502-CBC7B40FAFFB}" type="datetimeFigureOut">
               <a:rPr lang="en-US" smtClean="0"/>
-              <a:t>18.10.15</a:t>
+              <a:t>23.10.15</a:t>
             </a:fld>
             <a:endParaRPr lang="en-US"/>
           </a:p>
@@ -2969,7 +2969,7 @@
           <a:p>
             <a:fld id="{BBD72255-ADEA-0A48-8502-CBC7B40FAFFB}" type="datetimeFigureOut">
               <a:rPr lang="en-US" smtClean="0"/>
-              <a:t>18.10.15</a:t>
+              <a:t>23.10.15</a:t>
             </a:fld>
             <a:endParaRPr lang="en-US"/>
           </a:p>
@@ -3222,7 +3222,7 @@
           <a:p>
             <a:fld id="{BBD72255-ADEA-0A48-8502-CBC7B40FAFFB}" type="datetimeFigureOut">
               <a:rPr lang="en-US" smtClean="0"/>
-              <a:t>18.10.15</a:t>
+              <a:t>23.10.15</a:t>
             </a:fld>
             <a:endParaRPr lang="en-US"/>
           </a:p>
@@ -3435,7 +3435,7 @@
           <a:p>
             <a:fld id="{BBD72255-ADEA-0A48-8502-CBC7B40FAFFB}" type="datetimeFigureOut">
               <a:rPr lang="en-US" smtClean="0"/>
-              <a:t>18.10.15</a:t>
+              <a:t>23.10.15</a:t>
             </a:fld>
             <a:endParaRPr lang="en-US"/>
           </a:p>
@@ -3839,14 +3839,14 @@
         <p:nvGrpSpPr>
           <p:cNvPr id="3" name="Group 2"/>
           <p:cNvGrpSpPr>
-            <a:grpSpLocks/>
+            <a:grpSpLocks noChangeAspect="1"/>
           </p:cNvGrpSpPr>
           <p:nvPr/>
         </p:nvGrpSpPr>
         <p:grpSpPr bwMode="auto">
           <a:xfrm>
-            <a:off x="1702610" y="1797716"/>
-            <a:ext cx="4901350" cy="4700884"/>
+            <a:off x="2906593" y="2074083"/>
+            <a:ext cx="3342761" cy="3206042"/>
             <a:chOff x="894" y="12"/>
             <a:chExt cx="3972" cy="4302"/>
           </a:xfrm>
